--- a/documentation/schema archi.pptx
+++ b/documentation/schema archi.pptx
@@ -6,6 +6,7 @@
   </p:sldMasterIdLst>
   <p:sldIdLst>
     <p:sldId id="256" r:id="rId2"/>
+    <p:sldId id="257" r:id="rId3"/>
   </p:sldIdLst>
   <p:sldSz cx="12192000" cy="6858000"/>
   <p:notesSz cx="6858000" cy="9144000"/>
@@ -115,7 +116,7 @@
 <file path=ppt/revisionInfo.xml><?xml version="1.0" encoding="utf-8"?>
 <p1510:revInfo xmlns:a="http://schemas.openxmlformats.org/drawingml/2006/main" xmlns:r="http://schemas.openxmlformats.org/officeDocument/2006/relationships" xmlns:p1510="http://schemas.microsoft.com/office/powerpoint/2015/10/main">
   <p1510:revLst>
-    <p1510:client id="{E0E0CD04-0545-4EB2-B8BE-925E48FD966F}" v="328" dt="2018-07-23T07:34:05.972"/>
+    <p1510:client id="{E0E0CD04-0545-4EB2-B8BE-925E48FD966F}" v="505" dt="2018-07-23T08:09:22.750"/>
   </p1510:revLst>
 </p1510:revInfo>
 </file>
@@ -125,7 +126,7 @@
   <pc:docChgLst>
     <pc:chgData name="Thomas Peyruse" userId="4c6d55b0d3d46852" providerId="LiveId" clId="{E0E0CD04-0545-4EB2-B8BE-925E48FD966F}"/>
     <pc:docChg chg="custSel addSld modSld">
-      <pc:chgData name="Thomas Peyruse" userId="4c6d55b0d3d46852" providerId="LiveId" clId="{E0E0CD04-0545-4EB2-B8BE-925E48FD966F}" dt="2018-07-23T07:34:05.972" v="327" actId="1076"/>
+      <pc:chgData name="Thomas Peyruse" userId="4c6d55b0d3d46852" providerId="LiveId" clId="{E0E0CD04-0545-4EB2-B8BE-925E48FD966F}" dt="2018-07-23T08:09:22.751" v="504" actId="692"/>
       <pc:docMkLst>
         <pc:docMk/>
       </pc:docMkLst>
@@ -397,6 +398,229 @@
             <pc:docMk/>
             <pc:sldMk cId="3029248098" sldId="256"/>
             <ac:cxnSpMk id="43" creationId="{6A5F6331-D7BF-4400-B23D-8C299172E9B1}"/>
+          </ac:cxnSpMkLst>
+        </pc:cxnChg>
+      </pc:sldChg>
+      <pc:sldChg chg="addSp delSp modSp add">
+        <pc:chgData name="Thomas Peyruse" userId="4c6d55b0d3d46852" providerId="LiveId" clId="{E0E0CD04-0545-4EB2-B8BE-925E48FD966F}" dt="2018-07-23T08:09:22.751" v="504" actId="692"/>
+        <pc:sldMkLst>
+          <pc:docMk/>
+          <pc:sldMk cId="3110892433" sldId="257"/>
+        </pc:sldMkLst>
+        <pc:spChg chg="add mod">
+          <ac:chgData name="Thomas Peyruse" userId="4c6d55b0d3d46852" providerId="LiveId" clId="{E0E0CD04-0545-4EB2-B8BE-925E48FD966F}" dt="2018-07-23T08:07:56.949" v="495" actId="13822"/>
+          <ac:spMkLst>
+            <pc:docMk/>
+            <pc:sldMk cId="3110892433" sldId="257"/>
+            <ac:spMk id="2" creationId="{7159E880-51C9-45C1-8F0C-E33B3E347189}"/>
+          </ac:spMkLst>
+        </pc:spChg>
+        <pc:spChg chg="add mod">
+          <ac:chgData name="Thomas Peyruse" userId="4c6d55b0d3d46852" providerId="LiveId" clId="{E0E0CD04-0545-4EB2-B8BE-925E48FD966F}" dt="2018-07-23T08:07:56.949" v="495" actId="13822"/>
+          <ac:spMkLst>
+            <pc:docMk/>
+            <pc:sldMk cId="3110892433" sldId="257"/>
+            <ac:spMk id="3" creationId="{E42BE91E-0928-4046-A938-F563438C6754}"/>
+          </ac:spMkLst>
+        </pc:spChg>
+        <pc:spChg chg="add mod">
+          <ac:chgData name="Thomas Peyruse" userId="4c6d55b0d3d46852" providerId="LiveId" clId="{E0E0CD04-0545-4EB2-B8BE-925E48FD966F}" dt="2018-07-23T08:07:56.949" v="495" actId="13822"/>
+          <ac:spMkLst>
+            <pc:docMk/>
+            <pc:sldMk cId="3110892433" sldId="257"/>
+            <ac:spMk id="4" creationId="{F8876D1A-F774-47C7-BCE2-71688C405BB0}"/>
+          </ac:spMkLst>
+        </pc:spChg>
+        <pc:spChg chg="add mod">
+          <ac:chgData name="Thomas Peyruse" userId="4c6d55b0d3d46852" providerId="LiveId" clId="{E0E0CD04-0545-4EB2-B8BE-925E48FD966F}" dt="2018-07-23T08:07:56.949" v="495" actId="13822"/>
+          <ac:spMkLst>
+            <pc:docMk/>
+            <pc:sldMk cId="3110892433" sldId="257"/>
+            <ac:spMk id="5" creationId="{044A429F-BA1A-4D4A-A033-7578E7C720F0}"/>
+          </ac:spMkLst>
+        </pc:spChg>
+        <pc:spChg chg="add mod">
+          <ac:chgData name="Thomas Peyruse" userId="4c6d55b0d3d46852" providerId="LiveId" clId="{E0E0CD04-0545-4EB2-B8BE-925E48FD966F}" dt="2018-07-23T08:07:56.949" v="495" actId="13822"/>
+          <ac:spMkLst>
+            <pc:docMk/>
+            <pc:sldMk cId="3110892433" sldId="257"/>
+            <ac:spMk id="6" creationId="{902B17AC-14D9-48E6-B3E7-A2BD00A801B3}"/>
+          </ac:spMkLst>
+        </pc:spChg>
+        <pc:spChg chg="add mod">
+          <ac:chgData name="Thomas Peyruse" userId="4c6d55b0d3d46852" providerId="LiveId" clId="{E0E0CD04-0545-4EB2-B8BE-925E48FD966F}" dt="2018-07-23T08:07:56.949" v="495" actId="13822"/>
+          <ac:spMkLst>
+            <pc:docMk/>
+            <pc:sldMk cId="3110892433" sldId="257"/>
+            <ac:spMk id="9" creationId="{931DAFB3-0056-43F5-BCBC-3151AE927DCA}"/>
+          </ac:spMkLst>
+        </pc:spChg>
+        <pc:spChg chg="add mod">
+          <ac:chgData name="Thomas Peyruse" userId="4c6d55b0d3d46852" providerId="LiveId" clId="{E0E0CD04-0545-4EB2-B8BE-925E48FD966F}" dt="2018-07-23T08:07:56.949" v="495" actId="13822"/>
+          <ac:spMkLst>
+            <pc:docMk/>
+            <pc:sldMk cId="3110892433" sldId="257"/>
+            <ac:spMk id="13" creationId="{086BECD9-5782-4D3E-8CAB-68ED3E3714C8}"/>
+          </ac:spMkLst>
+        </pc:spChg>
+        <pc:spChg chg="add del mod">
+          <ac:chgData name="Thomas Peyruse" userId="4c6d55b0d3d46852" providerId="LiveId" clId="{E0E0CD04-0545-4EB2-B8BE-925E48FD966F}" dt="2018-07-23T08:00:47.467" v="377" actId="478"/>
+          <ac:spMkLst>
+            <pc:docMk/>
+            <pc:sldMk cId="3110892433" sldId="257"/>
+            <ac:spMk id="14" creationId="{730AD1BB-CAE5-467C-A49D-A2928599A495}"/>
+          </ac:spMkLst>
+        </pc:spChg>
+        <pc:spChg chg="add mod">
+          <ac:chgData name="Thomas Peyruse" userId="4c6d55b0d3d46852" providerId="LiveId" clId="{E0E0CD04-0545-4EB2-B8BE-925E48FD966F}" dt="2018-07-23T08:07:56.949" v="495" actId="13822"/>
+          <ac:spMkLst>
+            <pc:docMk/>
+            <pc:sldMk cId="3110892433" sldId="257"/>
+            <ac:spMk id="15" creationId="{836A0485-20AC-47AB-A8E0-0B77ADF8DCCC}"/>
+          </ac:spMkLst>
+        </pc:spChg>
+        <pc:spChg chg="add mod">
+          <ac:chgData name="Thomas Peyruse" userId="4c6d55b0d3d46852" providerId="LiveId" clId="{E0E0CD04-0545-4EB2-B8BE-925E48FD966F}" dt="2018-07-23T08:07:56.949" v="495" actId="13822"/>
+          <ac:spMkLst>
+            <pc:docMk/>
+            <pc:sldMk cId="3110892433" sldId="257"/>
+            <ac:spMk id="16" creationId="{C49CDFA9-689D-4558-9E6F-024E0CD8EEC0}"/>
+          </ac:spMkLst>
+        </pc:spChg>
+        <pc:spChg chg="add mod">
+          <ac:chgData name="Thomas Peyruse" userId="4c6d55b0d3d46852" providerId="LiveId" clId="{E0E0CD04-0545-4EB2-B8BE-925E48FD966F}" dt="2018-07-23T08:07:56.949" v="495" actId="13822"/>
+          <ac:spMkLst>
+            <pc:docMk/>
+            <pc:sldMk cId="3110892433" sldId="257"/>
+            <ac:spMk id="28" creationId="{CA9F7E05-17CB-4260-B292-D2F414050049}"/>
+          </ac:spMkLst>
+        </pc:spChg>
+        <pc:spChg chg="add mod">
+          <ac:chgData name="Thomas Peyruse" userId="4c6d55b0d3d46852" providerId="LiveId" clId="{E0E0CD04-0545-4EB2-B8BE-925E48FD966F}" dt="2018-07-23T08:07:56.949" v="495" actId="13822"/>
+          <ac:spMkLst>
+            <pc:docMk/>
+            <pc:sldMk cId="3110892433" sldId="257"/>
+            <ac:spMk id="31" creationId="{1B52BFA2-7AB3-429D-B982-87E9DB629B27}"/>
+          </ac:spMkLst>
+        </pc:spChg>
+        <pc:spChg chg="add mod">
+          <ac:chgData name="Thomas Peyruse" userId="4c6d55b0d3d46852" providerId="LiveId" clId="{E0E0CD04-0545-4EB2-B8BE-925E48FD966F}" dt="2018-07-23T08:07:56.949" v="495" actId="13822"/>
+          <ac:spMkLst>
+            <pc:docMk/>
+            <pc:sldMk cId="3110892433" sldId="257"/>
+            <ac:spMk id="32" creationId="{40A4FF4B-D684-403C-A7B8-6D3496BAC6EE}"/>
+          </ac:spMkLst>
+        </pc:spChg>
+        <pc:spChg chg="add mod">
+          <ac:chgData name="Thomas Peyruse" userId="4c6d55b0d3d46852" providerId="LiveId" clId="{E0E0CD04-0545-4EB2-B8BE-925E48FD966F}" dt="2018-07-23T08:07:56.949" v="495" actId="13822"/>
+          <ac:spMkLst>
+            <pc:docMk/>
+            <pc:sldMk cId="3110892433" sldId="257"/>
+            <ac:spMk id="37" creationId="{166DA26B-1FE7-4727-8AA6-3BF3AE86A3A9}"/>
+          </ac:spMkLst>
+        </pc:spChg>
+        <pc:spChg chg="add mod">
+          <ac:chgData name="Thomas Peyruse" userId="4c6d55b0d3d46852" providerId="LiveId" clId="{E0E0CD04-0545-4EB2-B8BE-925E48FD966F}" dt="2018-07-23T08:07:56.949" v="495" actId="13822"/>
+          <ac:spMkLst>
+            <pc:docMk/>
+            <pc:sldMk cId="3110892433" sldId="257"/>
+            <ac:spMk id="38" creationId="{66E72503-2293-460B-A193-E857CA3B0EA4}"/>
+          </ac:spMkLst>
+        </pc:spChg>
+        <pc:spChg chg="add mod">
+          <ac:chgData name="Thomas Peyruse" userId="4c6d55b0d3d46852" providerId="LiveId" clId="{E0E0CD04-0545-4EB2-B8BE-925E48FD966F}" dt="2018-07-23T08:07:56.949" v="495" actId="13822"/>
+          <ac:spMkLst>
+            <pc:docMk/>
+            <pc:sldMk cId="3110892433" sldId="257"/>
+            <ac:spMk id="39" creationId="{4755F943-39B9-4900-8973-72A870D78E5C}"/>
+          </ac:spMkLst>
+        </pc:spChg>
+        <pc:spChg chg="add mod">
+          <ac:chgData name="Thomas Peyruse" userId="4c6d55b0d3d46852" providerId="LiveId" clId="{E0E0CD04-0545-4EB2-B8BE-925E48FD966F}" dt="2018-07-23T08:07:56.949" v="495" actId="13822"/>
+          <ac:spMkLst>
+            <pc:docMk/>
+            <pc:sldMk cId="3110892433" sldId="257"/>
+            <ac:spMk id="40" creationId="{77351911-22F3-434C-A5A0-613B7C70866A}"/>
+          </ac:spMkLst>
+        </pc:spChg>
+        <pc:spChg chg="add mod">
+          <ac:chgData name="Thomas Peyruse" userId="4c6d55b0d3d46852" providerId="LiveId" clId="{E0E0CD04-0545-4EB2-B8BE-925E48FD966F}" dt="2018-07-23T08:07:56.949" v="495" actId="13822"/>
+          <ac:spMkLst>
+            <pc:docMk/>
+            <pc:sldMk cId="3110892433" sldId="257"/>
+            <ac:spMk id="45" creationId="{08A2BE71-0847-4613-A533-889A77A81295}"/>
+          </ac:spMkLst>
+        </pc:spChg>
+        <pc:spChg chg="add mod">
+          <ac:chgData name="Thomas Peyruse" userId="4c6d55b0d3d46852" providerId="LiveId" clId="{E0E0CD04-0545-4EB2-B8BE-925E48FD966F}" dt="2018-07-23T08:07:56.949" v="495" actId="13822"/>
+          <ac:spMkLst>
+            <pc:docMk/>
+            <pc:sldMk cId="3110892433" sldId="257"/>
+            <ac:spMk id="46" creationId="{0CD114F0-73D3-46E4-8D2F-71F261881D88}"/>
+          </ac:spMkLst>
+        </pc:spChg>
+        <pc:cxnChg chg="add mod">
+          <ac:chgData name="Thomas Peyruse" userId="4c6d55b0d3d46852" providerId="LiveId" clId="{E0E0CD04-0545-4EB2-B8BE-925E48FD966F}" dt="2018-07-23T08:09:22.751" v="504" actId="692"/>
+          <ac:cxnSpMkLst>
+            <pc:docMk/>
+            <pc:sldMk cId="3110892433" sldId="257"/>
+            <ac:cxnSpMk id="8" creationId="{2B3CEF3B-97F9-4ADE-A651-20772DDD63D5}"/>
+          </ac:cxnSpMkLst>
+        </pc:cxnChg>
+        <pc:cxnChg chg="add mod">
+          <ac:chgData name="Thomas Peyruse" userId="4c6d55b0d3d46852" providerId="LiveId" clId="{E0E0CD04-0545-4EB2-B8BE-925E48FD966F}" dt="2018-07-23T08:09:20.811" v="503" actId="692"/>
+          <ac:cxnSpMkLst>
+            <pc:docMk/>
+            <pc:sldMk cId="3110892433" sldId="257"/>
+            <ac:cxnSpMk id="11" creationId="{CD90E33C-AB34-4957-AF6A-46B6D2EEF884}"/>
+          </ac:cxnSpMkLst>
+        </pc:cxnChg>
+        <pc:cxnChg chg="add mod">
+          <ac:chgData name="Thomas Peyruse" userId="4c6d55b0d3d46852" providerId="LiveId" clId="{E0E0CD04-0545-4EB2-B8BE-925E48FD966F}" dt="2018-07-23T08:09:09.402" v="498" actId="692"/>
+          <ac:cxnSpMkLst>
+            <pc:docMk/>
+            <pc:sldMk cId="3110892433" sldId="257"/>
+            <ac:cxnSpMk id="19" creationId="{137A0FEC-161B-4F8D-9983-39C9E002CDCE}"/>
+          </ac:cxnSpMkLst>
+        </pc:cxnChg>
+        <pc:cxnChg chg="add mod">
+          <ac:chgData name="Thomas Peyruse" userId="4c6d55b0d3d46852" providerId="LiveId" clId="{E0E0CD04-0545-4EB2-B8BE-925E48FD966F}" dt="2018-07-23T08:09:17.645" v="501" actId="692"/>
+          <ac:cxnSpMkLst>
+            <pc:docMk/>
+            <pc:sldMk cId="3110892433" sldId="257"/>
+            <ac:cxnSpMk id="30" creationId="{E354BCC8-2853-4B71-8AAE-27DBE62DC026}"/>
+          </ac:cxnSpMkLst>
+        </pc:cxnChg>
+        <pc:cxnChg chg="add mod">
+          <ac:chgData name="Thomas Peyruse" userId="4c6d55b0d3d46852" providerId="LiveId" clId="{E0E0CD04-0545-4EB2-B8BE-925E48FD966F}" dt="2018-07-23T08:09:15.214" v="500" actId="692"/>
+          <ac:cxnSpMkLst>
+            <pc:docMk/>
+            <pc:sldMk cId="3110892433" sldId="257"/>
+            <ac:cxnSpMk id="34" creationId="{7666129C-9CFA-4D1B-8B5F-986DFF249637}"/>
+          </ac:cxnSpMkLst>
+        </pc:cxnChg>
+        <pc:cxnChg chg="add mod">
+          <ac:chgData name="Thomas Peyruse" userId="4c6d55b0d3d46852" providerId="LiveId" clId="{E0E0CD04-0545-4EB2-B8BE-925E48FD966F}" dt="2018-07-23T08:09:18.669" v="502" actId="692"/>
+          <ac:cxnSpMkLst>
+            <pc:docMk/>
+            <pc:sldMk cId="3110892433" sldId="257"/>
+            <ac:cxnSpMk id="36" creationId="{5FEC66BF-6F99-4B14-9CEB-94B0CACAB544}"/>
+          </ac:cxnSpMkLst>
+        </pc:cxnChg>
+        <pc:cxnChg chg="add mod">
+          <ac:chgData name="Thomas Peyruse" userId="4c6d55b0d3d46852" providerId="LiveId" clId="{E0E0CD04-0545-4EB2-B8BE-925E48FD966F}" dt="2018-07-23T08:09:13.209" v="499" actId="692"/>
+          <ac:cxnSpMkLst>
+            <pc:docMk/>
+            <pc:sldMk cId="3110892433" sldId="257"/>
+            <ac:cxnSpMk id="42" creationId="{689125B1-DA2A-4856-9E0F-708E6B3FDF5F}"/>
+          </ac:cxnSpMkLst>
+        </pc:cxnChg>
+        <pc:cxnChg chg="add mod">
+          <ac:chgData name="Thomas Peyruse" userId="4c6d55b0d3d46852" providerId="LiveId" clId="{E0E0CD04-0545-4EB2-B8BE-925E48FD966F}" dt="2018-07-23T08:08:57.652" v="497" actId="692"/>
+          <ac:cxnSpMkLst>
+            <pc:docMk/>
+            <pc:sldMk cId="3110892433" sldId="257"/>
+            <ac:cxnSpMk id="44" creationId="{8EB2189E-6FBA-4162-85DF-DC2039ACE878}"/>
           </ac:cxnSpMkLst>
         </pc:cxnChg>
       </pc:sldChg>
@@ -4892,6 +5116,1312 @@
 </p:sld>
 </file>
 
+<file path=ppt/slides/slide2.xml><?xml version="1.0" encoding="utf-8"?>
+<p:sld xmlns:a="http://schemas.openxmlformats.org/drawingml/2006/main" xmlns:r="http://schemas.openxmlformats.org/officeDocument/2006/relationships" xmlns:p="http://schemas.openxmlformats.org/presentationml/2006/main">
+  <p:cSld>
+    <p:spTree>
+      <p:nvGrpSpPr>
+        <p:cNvPr id="1" name=""/>
+        <p:cNvGrpSpPr/>
+        <p:nvPr/>
+      </p:nvGrpSpPr>
+      <p:grpSpPr>
+        <a:xfrm>
+          <a:off x="0" y="0"/>
+          <a:ext cx="0" cy="0"/>
+          <a:chOff x="0" y="0"/>
+          <a:chExt cx="0" cy="0"/>
+        </a:xfrm>
+      </p:grpSpPr>
+      <p:sp>
+        <p:nvSpPr>
+          <p:cNvPr id="2" name="Ellipse 1">
+            <a:extLst>
+              <a:ext uri="{FF2B5EF4-FFF2-40B4-BE49-F238E27FC236}">
+                <a16:creationId xmlns:a16="http://schemas.microsoft.com/office/drawing/2014/main" id="{7159E880-51C9-45C1-8F0C-E33B3E347189}"/>
+              </a:ext>
+            </a:extLst>
+          </p:cNvPr>
+          <p:cNvSpPr/>
+          <p:nvPr/>
+        </p:nvSpPr>
+        <p:spPr>
+          <a:xfrm>
+            <a:off x="5338917" y="914400"/>
+            <a:ext cx="757084" cy="737419"/>
+          </a:xfrm>
+          <a:prstGeom prst="ellipse">
+            <a:avLst/>
+          </a:prstGeom>
+        </p:spPr>
+        <p:style>
+          <a:lnRef idx="2">
+            <a:schemeClr val="accent4">
+              <a:shade val="50000"/>
+            </a:schemeClr>
+          </a:lnRef>
+          <a:fillRef idx="1">
+            <a:schemeClr val="accent4"/>
+          </a:fillRef>
+          <a:effectRef idx="0">
+            <a:schemeClr val="accent4"/>
+          </a:effectRef>
+          <a:fontRef idx="minor">
+            <a:schemeClr val="lt1"/>
+          </a:fontRef>
+        </p:style>
+        <p:txBody>
+          <a:bodyPr rtlCol="0" anchor="ctr"/>
+          <a:lstStyle/>
+          <a:p>
+            <a:pPr algn="ctr"/>
+            <a:r>
+              <a:rPr lang="fr-FR" dirty="0"/>
+              <a:t>0</a:t>
+            </a:r>
+          </a:p>
+        </p:txBody>
+      </p:sp>
+      <p:sp>
+        <p:nvSpPr>
+          <p:cNvPr id="3" name="Ellipse 2">
+            <a:extLst>
+              <a:ext uri="{FF2B5EF4-FFF2-40B4-BE49-F238E27FC236}">
+                <a16:creationId xmlns:a16="http://schemas.microsoft.com/office/drawing/2014/main" id="{E42BE91E-0928-4046-A938-F563438C6754}"/>
+              </a:ext>
+            </a:extLst>
+          </p:cNvPr>
+          <p:cNvSpPr/>
+          <p:nvPr/>
+        </p:nvSpPr>
+        <p:spPr>
+          <a:xfrm>
+            <a:off x="2396873" y="914399"/>
+            <a:ext cx="757084" cy="737419"/>
+          </a:xfrm>
+          <a:prstGeom prst="ellipse">
+            <a:avLst/>
+          </a:prstGeom>
+        </p:spPr>
+        <p:style>
+          <a:lnRef idx="2">
+            <a:schemeClr val="accent4">
+              <a:shade val="50000"/>
+            </a:schemeClr>
+          </a:lnRef>
+          <a:fillRef idx="1">
+            <a:schemeClr val="accent4"/>
+          </a:fillRef>
+          <a:effectRef idx="0">
+            <a:schemeClr val="accent4"/>
+          </a:effectRef>
+          <a:fontRef idx="minor">
+            <a:schemeClr val="lt1"/>
+          </a:fontRef>
+        </p:style>
+        <p:txBody>
+          <a:bodyPr rtlCol="0" anchor="ctr"/>
+          <a:lstStyle/>
+          <a:p>
+            <a:pPr algn="ctr"/>
+            <a:r>
+              <a:rPr lang="fr-FR" dirty="0"/>
+              <a:t>1</a:t>
+            </a:r>
+          </a:p>
+        </p:txBody>
+      </p:sp>
+      <p:sp>
+        <p:nvSpPr>
+          <p:cNvPr id="4" name="Ellipse 3">
+            <a:extLst>
+              <a:ext uri="{FF2B5EF4-FFF2-40B4-BE49-F238E27FC236}">
+                <a16:creationId xmlns:a16="http://schemas.microsoft.com/office/drawing/2014/main" id="{F8876D1A-F774-47C7-BCE2-71688C405BB0}"/>
+              </a:ext>
+            </a:extLst>
+          </p:cNvPr>
+          <p:cNvSpPr/>
+          <p:nvPr/>
+        </p:nvSpPr>
+        <p:spPr>
+          <a:xfrm>
+            <a:off x="2396873" y="3429000"/>
+            <a:ext cx="757084" cy="737419"/>
+          </a:xfrm>
+          <a:prstGeom prst="ellipse">
+            <a:avLst/>
+          </a:prstGeom>
+        </p:spPr>
+        <p:style>
+          <a:lnRef idx="2">
+            <a:schemeClr val="accent4">
+              <a:shade val="50000"/>
+            </a:schemeClr>
+          </a:lnRef>
+          <a:fillRef idx="1">
+            <a:schemeClr val="accent4"/>
+          </a:fillRef>
+          <a:effectRef idx="0">
+            <a:schemeClr val="accent4"/>
+          </a:effectRef>
+          <a:fontRef idx="minor">
+            <a:schemeClr val="lt1"/>
+          </a:fontRef>
+        </p:style>
+        <p:txBody>
+          <a:bodyPr rtlCol="0" anchor="ctr"/>
+          <a:lstStyle/>
+          <a:p>
+            <a:pPr algn="ctr"/>
+            <a:r>
+              <a:rPr lang="fr-FR" dirty="0"/>
+              <a:t>2</a:t>
+            </a:r>
+          </a:p>
+        </p:txBody>
+      </p:sp>
+      <p:sp>
+        <p:nvSpPr>
+          <p:cNvPr id="5" name="Ellipse 4">
+            <a:extLst>
+              <a:ext uri="{FF2B5EF4-FFF2-40B4-BE49-F238E27FC236}">
+                <a16:creationId xmlns:a16="http://schemas.microsoft.com/office/drawing/2014/main" id="{044A429F-BA1A-4D4A-A033-7578E7C720F0}"/>
+              </a:ext>
+            </a:extLst>
+          </p:cNvPr>
+          <p:cNvSpPr/>
+          <p:nvPr/>
+        </p:nvSpPr>
+        <p:spPr>
+          <a:xfrm>
+            <a:off x="8280961" y="914399"/>
+            <a:ext cx="757084" cy="737419"/>
+          </a:xfrm>
+          <a:prstGeom prst="ellipse">
+            <a:avLst/>
+          </a:prstGeom>
+        </p:spPr>
+        <p:style>
+          <a:lnRef idx="2">
+            <a:schemeClr val="accent4">
+              <a:shade val="50000"/>
+            </a:schemeClr>
+          </a:lnRef>
+          <a:fillRef idx="1">
+            <a:schemeClr val="accent4"/>
+          </a:fillRef>
+          <a:effectRef idx="0">
+            <a:schemeClr val="accent4"/>
+          </a:effectRef>
+          <a:fontRef idx="minor">
+            <a:schemeClr val="lt1"/>
+          </a:fontRef>
+        </p:style>
+        <p:txBody>
+          <a:bodyPr rtlCol="0" anchor="ctr"/>
+          <a:lstStyle/>
+          <a:p>
+            <a:pPr algn="ctr"/>
+            <a:r>
+              <a:rPr lang="fr-FR" dirty="0"/>
+              <a:t>3</a:t>
+            </a:r>
+          </a:p>
+        </p:txBody>
+      </p:sp>
+      <p:sp>
+        <p:nvSpPr>
+          <p:cNvPr id="6" name="Ellipse 5">
+            <a:extLst>
+              <a:ext uri="{FF2B5EF4-FFF2-40B4-BE49-F238E27FC236}">
+                <a16:creationId xmlns:a16="http://schemas.microsoft.com/office/drawing/2014/main" id="{902B17AC-14D9-48E6-B3E7-A2BD00A801B3}"/>
+              </a:ext>
+            </a:extLst>
+          </p:cNvPr>
+          <p:cNvSpPr/>
+          <p:nvPr/>
+        </p:nvSpPr>
+        <p:spPr>
+          <a:xfrm>
+            <a:off x="8280961" y="3497663"/>
+            <a:ext cx="757084" cy="737419"/>
+          </a:xfrm>
+          <a:prstGeom prst="ellipse">
+            <a:avLst/>
+          </a:prstGeom>
+        </p:spPr>
+        <p:style>
+          <a:lnRef idx="2">
+            <a:schemeClr val="accent4">
+              <a:shade val="50000"/>
+            </a:schemeClr>
+          </a:lnRef>
+          <a:fillRef idx="1">
+            <a:schemeClr val="accent4"/>
+          </a:fillRef>
+          <a:effectRef idx="0">
+            <a:schemeClr val="accent4"/>
+          </a:effectRef>
+          <a:fontRef idx="minor">
+            <a:schemeClr val="lt1"/>
+          </a:fontRef>
+        </p:style>
+        <p:txBody>
+          <a:bodyPr rtlCol="0" anchor="ctr"/>
+          <a:lstStyle/>
+          <a:p>
+            <a:pPr algn="ctr"/>
+            <a:r>
+              <a:rPr lang="fr-FR" dirty="0"/>
+              <a:t>4</a:t>
+            </a:r>
+          </a:p>
+        </p:txBody>
+      </p:sp>
+      <p:cxnSp>
+        <p:nvCxnSpPr>
+          <p:cNvPr id="8" name="Connecteur droit avec flèche 7">
+            <a:extLst>
+              <a:ext uri="{FF2B5EF4-FFF2-40B4-BE49-F238E27FC236}">
+                <a16:creationId xmlns:a16="http://schemas.microsoft.com/office/drawing/2014/main" id="{2B3CEF3B-97F9-4ADE-A651-20772DDD63D5}"/>
+              </a:ext>
+            </a:extLst>
+          </p:cNvPr>
+          <p:cNvCxnSpPr>
+            <a:cxnSpLocks/>
+            <a:stCxn id="2" idx="2"/>
+            <a:endCxn id="3" idx="6"/>
+          </p:cNvCxnSpPr>
+          <p:nvPr/>
+        </p:nvCxnSpPr>
+        <p:spPr>
+          <a:xfrm flipH="1" flipV="1">
+            <a:off x="3153957" y="1283109"/>
+            <a:ext cx="2184960" cy="1"/>
+          </a:xfrm>
+          <a:prstGeom prst="straightConnector1">
+            <a:avLst/>
+          </a:prstGeom>
+          <a:ln>
+            <a:tailEnd type="triangle" w="lg" len="lg"/>
+          </a:ln>
+        </p:spPr>
+        <p:style>
+          <a:lnRef idx="2">
+            <a:schemeClr val="accent4">
+              <a:shade val="50000"/>
+            </a:schemeClr>
+          </a:lnRef>
+          <a:fillRef idx="1">
+            <a:schemeClr val="accent4"/>
+          </a:fillRef>
+          <a:effectRef idx="0">
+            <a:schemeClr val="accent4"/>
+          </a:effectRef>
+          <a:fontRef idx="minor">
+            <a:schemeClr val="lt1"/>
+          </a:fontRef>
+        </p:style>
+      </p:cxnSp>
+      <p:sp>
+        <p:nvSpPr>
+          <p:cNvPr id="9" name="ZoneTexte 8">
+            <a:extLst>
+              <a:ext uri="{FF2B5EF4-FFF2-40B4-BE49-F238E27FC236}">
+                <a16:creationId xmlns:a16="http://schemas.microsoft.com/office/drawing/2014/main" id="{931DAFB3-0056-43F5-BCBC-3151AE927DCA}"/>
+              </a:ext>
+            </a:extLst>
+          </p:cNvPr>
+          <p:cNvSpPr txBox="1"/>
+          <p:nvPr/>
+        </p:nvSpPr>
+        <p:spPr>
+          <a:xfrm>
+            <a:off x="3342968" y="1098442"/>
+            <a:ext cx="1828800" cy="369332"/>
+          </a:xfrm>
+          <a:prstGeom prst="rect">
+            <a:avLst/>
+          </a:prstGeom>
+          <a:ln/>
+        </p:spPr>
+        <p:style>
+          <a:lnRef idx="2">
+            <a:schemeClr val="accent4">
+              <a:shade val="50000"/>
+            </a:schemeClr>
+          </a:lnRef>
+          <a:fillRef idx="1">
+            <a:schemeClr val="accent4"/>
+          </a:fillRef>
+          <a:effectRef idx="0">
+            <a:schemeClr val="accent4"/>
+          </a:effectRef>
+          <a:fontRef idx="minor">
+            <a:schemeClr val="lt1"/>
+          </a:fontRef>
+        </p:style>
+        <p:txBody>
+          <a:bodyPr wrap="square" rtlCol="0">
+            <a:spAutoFit/>
+          </a:bodyPr>
+          <a:lstStyle/>
+          <a:p>
+            <a:r>
+              <a:rPr lang="fr-FR" dirty="0" err="1"/>
+              <a:t>Bumper</a:t>
+            </a:r>
+            <a:r>
+              <a:rPr lang="fr-FR" dirty="0"/>
+              <a:t> G ou Hall</a:t>
+            </a:r>
+          </a:p>
+        </p:txBody>
+      </p:sp>
+      <p:cxnSp>
+        <p:nvCxnSpPr>
+          <p:cNvPr id="11" name="Connecteur droit avec flèche 10">
+            <a:extLst>
+              <a:ext uri="{FF2B5EF4-FFF2-40B4-BE49-F238E27FC236}">
+                <a16:creationId xmlns:a16="http://schemas.microsoft.com/office/drawing/2014/main" id="{CD90E33C-AB34-4957-AF6A-46B6D2EEF884}"/>
+              </a:ext>
+            </a:extLst>
+          </p:cNvPr>
+          <p:cNvCxnSpPr>
+            <a:cxnSpLocks/>
+            <a:stCxn id="2" idx="6"/>
+            <a:endCxn id="5" idx="2"/>
+          </p:cNvCxnSpPr>
+          <p:nvPr/>
+        </p:nvCxnSpPr>
+        <p:spPr>
+          <a:xfrm flipV="1">
+            <a:off x="6096001" y="1283109"/>
+            <a:ext cx="2184960" cy="1"/>
+          </a:xfrm>
+          <a:prstGeom prst="straightConnector1">
+            <a:avLst/>
+          </a:prstGeom>
+          <a:ln>
+            <a:tailEnd type="triangle" w="lg" len="lg"/>
+          </a:ln>
+        </p:spPr>
+        <p:style>
+          <a:lnRef idx="2">
+            <a:schemeClr val="accent4">
+              <a:shade val="50000"/>
+            </a:schemeClr>
+          </a:lnRef>
+          <a:fillRef idx="1">
+            <a:schemeClr val="accent4"/>
+          </a:fillRef>
+          <a:effectRef idx="0">
+            <a:schemeClr val="accent4"/>
+          </a:effectRef>
+          <a:fontRef idx="minor">
+            <a:schemeClr val="lt1"/>
+          </a:fontRef>
+        </p:style>
+      </p:cxnSp>
+      <p:sp>
+        <p:nvSpPr>
+          <p:cNvPr id="13" name="ZoneTexte 12">
+            <a:extLst>
+              <a:ext uri="{FF2B5EF4-FFF2-40B4-BE49-F238E27FC236}">
+                <a16:creationId xmlns:a16="http://schemas.microsoft.com/office/drawing/2014/main" id="{086BECD9-5782-4D3E-8CAB-68ED3E3714C8}"/>
+              </a:ext>
+            </a:extLst>
+          </p:cNvPr>
+          <p:cNvSpPr txBox="1"/>
+          <p:nvPr/>
+        </p:nvSpPr>
+        <p:spPr>
+          <a:xfrm>
+            <a:off x="6274081" y="1066253"/>
+            <a:ext cx="1828800" cy="369332"/>
+          </a:xfrm>
+          <a:prstGeom prst="rect">
+            <a:avLst/>
+          </a:prstGeom>
+          <a:ln/>
+        </p:spPr>
+        <p:style>
+          <a:lnRef idx="2">
+            <a:schemeClr val="accent4">
+              <a:shade val="50000"/>
+            </a:schemeClr>
+          </a:lnRef>
+          <a:fillRef idx="1">
+            <a:schemeClr val="accent4"/>
+          </a:fillRef>
+          <a:effectRef idx="0">
+            <a:schemeClr val="accent4"/>
+          </a:effectRef>
+          <a:fontRef idx="minor">
+            <a:schemeClr val="lt1"/>
+          </a:fontRef>
+        </p:style>
+        <p:txBody>
+          <a:bodyPr wrap="square" rtlCol="0">
+            <a:spAutoFit/>
+          </a:bodyPr>
+          <a:lstStyle/>
+          <a:p>
+            <a:r>
+              <a:rPr lang="fr-FR" dirty="0" err="1"/>
+              <a:t>Bumper</a:t>
+            </a:r>
+            <a:r>
+              <a:rPr lang="fr-FR" dirty="0"/>
+              <a:t> D ou Hall</a:t>
+            </a:r>
+          </a:p>
+        </p:txBody>
+      </p:sp>
+      <p:sp>
+        <p:nvSpPr>
+          <p:cNvPr id="15" name="Bulle narrative : rectangle 14">
+            <a:extLst>
+              <a:ext uri="{FF2B5EF4-FFF2-40B4-BE49-F238E27FC236}">
+                <a16:creationId xmlns:a16="http://schemas.microsoft.com/office/drawing/2014/main" id="{836A0485-20AC-47AB-A8E0-0B77ADF8DCCC}"/>
+              </a:ext>
+            </a:extLst>
+          </p:cNvPr>
+          <p:cNvSpPr/>
+          <p:nvPr/>
+        </p:nvSpPr>
+        <p:spPr>
+          <a:xfrm>
+            <a:off x="5985129" y="383458"/>
+            <a:ext cx="1178190" cy="425010"/>
+          </a:xfrm>
+          <a:prstGeom prst="wedgeRectCallout">
+            <a:avLst>
+              <a:gd name="adj1" fmla="val -47120"/>
+              <a:gd name="adj2" fmla="val 114552"/>
+            </a:avLst>
+          </a:prstGeom>
+        </p:spPr>
+        <p:style>
+          <a:lnRef idx="2">
+            <a:schemeClr val="accent4">
+              <a:shade val="50000"/>
+            </a:schemeClr>
+          </a:lnRef>
+          <a:fillRef idx="1">
+            <a:schemeClr val="accent4"/>
+          </a:fillRef>
+          <a:effectRef idx="0">
+            <a:schemeClr val="accent4"/>
+          </a:effectRef>
+          <a:fontRef idx="minor">
+            <a:schemeClr val="lt1"/>
+          </a:fontRef>
+        </p:style>
+        <p:txBody>
+          <a:bodyPr rtlCol="0" anchor="ctr"/>
+          <a:lstStyle/>
+          <a:p>
+            <a:pPr algn="ctr"/>
+            <a:r>
+              <a:rPr lang="fr-FR" dirty="0"/>
+              <a:t>Tout droit</a:t>
+            </a:r>
+          </a:p>
+        </p:txBody>
+      </p:sp>
+      <p:sp>
+        <p:nvSpPr>
+          <p:cNvPr id="16" name="Bulle narrative : rectangle 15">
+            <a:extLst>
+              <a:ext uri="{FF2B5EF4-FFF2-40B4-BE49-F238E27FC236}">
+                <a16:creationId xmlns:a16="http://schemas.microsoft.com/office/drawing/2014/main" id="{C49CDFA9-689D-4558-9E6F-024E0CD8EEC0}"/>
+              </a:ext>
+            </a:extLst>
+          </p:cNvPr>
+          <p:cNvSpPr/>
+          <p:nvPr/>
+        </p:nvSpPr>
+        <p:spPr>
+          <a:xfrm>
+            <a:off x="716397" y="1831494"/>
+            <a:ext cx="1178190" cy="425010"/>
+          </a:xfrm>
+          <a:prstGeom prst="wedgeRectCallout">
+            <a:avLst>
+              <a:gd name="adj1" fmla="val 99338"/>
+              <a:gd name="adj2" fmla="val -131827"/>
+            </a:avLst>
+          </a:prstGeom>
+        </p:spPr>
+        <p:style>
+          <a:lnRef idx="2">
+            <a:schemeClr val="accent4">
+              <a:shade val="50000"/>
+            </a:schemeClr>
+          </a:lnRef>
+          <a:fillRef idx="1">
+            <a:schemeClr val="accent4"/>
+          </a:fillRef>
+          <a:effectRef idx="0">
+            <a:schemeClr val="accent4"/>
+          </a:effectRef>
+          <a:fontRef idx="minor">
+            <a:schemeClr val="lt1"/>
+          </a:fontRef>
+        </p:style>
+        <p:txBody>
+          <a:bodyPr rtlCol="0" anchor="ctr"/>
+          <a:lstStyle/>
+          <a:p>
+            <a:pPr algn="ctr"/>
+            <a:r>
+              <a:rPr lang="fr-FR" dirty="0"/>
+              <a:t>Arrière</a:t>
+            </a:r>
+          </a:p>
+        </p:txBody>
+      </p:sp>
+      <p:cxnSp>
+        <p:nvCxnSpPr>
+          <p:cNvPr id="19" name="Connecteur droit avec flèche 18">
+            <a:extLst>
+              <a:ext uri="{FF2B5EF4-FFF2-40B4-BE49-F238E27FC236}">
+                <a16:creationId xmlns:a16="http://schemas.microsoft.com/office/drawing/2014/main" id="{137A0FEC-161B-4F8D-9983-39C9E002CDCE}"/>
+              </a:ext>
+            </a:extLst>
+          </p:cNvPr>
+          <p:cNvCxnSpPr>
+            <a:stCxn id="2" idx="3"/>
+            <a:endCxn id="4" idx="7"/>
+          </p:cNvCxnSpPr>
+          <p:nvPr/>
+        </p:nvCxnSpPr>
+        <p:spPr>
+          <a:xfrm flipH="1">
+            <a:off x="3043085" y="1543826"/>
+            <a:ext cx="2406704" cy="1993167"/>
+          </a:xfrm>
+          <a:prstGeom prst="straightConnector1">
+            <a:avLst/>
+          </a:prstGeom>
+          <a:ln>
+            <a:tailEnd type="triangle" w="lg" len="lg"/>
+          </a:ln>
+        </p:spPr>
+        <p:style>
+          <a:lnRef idx="2">
+            <a:schemeClr val="accent4">
+              <a:shade val="50000"/>
+            </a:schemeClr>
+          </a:lnRef>
+          <a:fillRef idx="1">
+            <a:schemeClr val="accent4"/>
+          </a:fillRef>
+          <a:effectRef idx="0">
+            <a:schemeClr val="accent4"/>
+          </a:effectRef>
+          <a:fontRef idx="minor">
+            <a:schemeClr val="lt1"/>
+          </a:fontRef>
+        </p:style>
+      </p:cxnSp>
+      <p:sp>
+        <p:nvSpPr>
+          <p:cNvPr id="28" name="ZoneTexte 27">
+            <a:extLst>
+              <a:ext uri="{FF2B5EF4-FFF2-40B4-BE49-F238E27FC236}">
+                <a16:creationId xmlns:a16="http://schemas.microsoft.com/office/drawing/2014/main" id="{CA9F7E05-17CB-4260-B292-D2F414050049}"/>
+              </a:ext>
+            </a:extLst>
+          </p:cNvPr>
+          <p:cNvSpPr txBox="1"/>
+          <p:nvPr/>
+        </p:nvSpPr>
+        <p:spPr>
+          <a:xfrm>
+            <a:off x="3699647" y="2444233"/>
+            <a:ext cx="975591" cy="372709"/>
+          </a:xfrm>
+          <a:prstGeom prst="rect">
+            <a:avLst/>
+          </a:prstGeom>
+          <a:ln/>
+        </p:spPr>
+        <p:style>
+          <a:lnRef idx="2">
+            <a:schemeClr val="accent4">
+              <a:shade val="50000"/>
+            </a:schemeClr>
+          </a:lnRef>
+          <a:fillRef idx="1">
+            <a:schemeClr val="accent4"/>
+          </a:fillRef>
+          <a:effectRef idx="0">
+            <a:schemeClr val="accent4"/>
+          </a:effectRef>
+          <a:fontRef idx="minor">
+            <a:schemeClr val="lt1"/>
+          </a:fontRef>
+        </p:style>
+        <p:txBody>
+          <a:bodyPr wrap="square" rtlCol="0">
+            <a:spAutoFit/>
+          </a:bodyPr>
+          <a:lstStyle/>
+          <a:p>
+            <a:r>
+              <a:rPr lang="fr-FR" dirty="0"/>
+              <a:t>Sharp G</a:t>
+            </a:r>
+          </a:p>
+        </p:txBody>
+      </p:sp>
+      <p:cxnSp>
+        <p:nvCxnSpPr>
+          <p:cNvPr id="30" name="Connecteur droit avec flèche 29">
+            <a:extLst>
+              <a:ext uri="{FF2B5EF4-FFF2-40B4-BE49-F238E27FC236}">
+                <a16:creationId xmlns:a16="http://schemas.microsoft.com/office/drawing/2014/main" id="{E354BCC8-2853-4B71-8AAE-27DBE62DC026}"/>
+              </a:ext>
+            </a:extLst>
+          </p:cNvPr>
+          <p:cNvCxnSpPr>
+            <a:stCxn id="2" idx="5"/>
+            <a:endCxn id="6" idx="1"/>
+          </p:cNvCxnSpPr>
+          <p:nvPr/>
+        </p:nvCxnSpPr>
+        <p:spPr>
+          <a:xfrm>
+            <a:off x="5985129" y="1543826"/>
+            <a:ext cx="2406704" cy="2061830"/>
+          </a:xfrm>
+          <a:prstGeom prst="straightConnector1">
+            <a:avLst/>
+          </a:prstGeom>
+          <a:ln>
+            <a:tailEnd type="triangle" w="lg" len="lg"/>
+          </a:ln>
+        </p:spPr>
+        <p:style>
+          <a:lnRef idx="2">
+            <a:schemeClr val="accent4">
+              <a:shade val="50000"/>
+            </a:schemeClr>
+          </a:lnRef>
+          <a:fillRef idx="1">
+            <a:schemeClr val="accent4"/>
+          </a:fillRef>
+          <a:effectRef idx="0">
+            <a:schemeClr val="accent4"/>
+          </a:effectRef>
+          <a:fontRef idx="minor">
+            <a:schemeClr val="lt1"/>
+          </a:fontRef>
+        </p:style>
+      </p:cxnSp>
+      <p:sp>
+        <p:nvSpPr>
+          <p:cNvPr id="31" name="ZoneTexte 30">
+            <a:extLst>
+              <a:ext uri="{FF2B5EF4-FFF2-40B4-BE49-F238E27FC236}">
+                <a16:creationId xmlns:a16="http://schemas.microsoft.com/office/drawing/2014/main" id="{1B52BFA2-7AB3-429D-B982-87E9DB629B27}"/>
+              </a:ext>
+            </a:extLst>
+          </p:cNvPr>
+          <p:cNvSpPr txBox="1"/>
+          <p:nvPr/>
+        </p:nvSpPr>
+        <p:spPr>
+          <a:xfrm>
+            <a:off x="6700685" y="2444233"/>
+            <a:ext cx="975591" cy="372709"/>
+          </a:xfrm>
+          <a:prstGeom prst="rect">
+            <a:avLst/>
+          </a:prstGeom>
+          <a:ln/>
+        </p:spPr>
+        <p:style>
+          <a:lnRef idx="2">
+            <a:schemeClr val="accent4">
+              <a:shade val="50000"/>
+            </a:schemeClr>
+          </a:lnRef>
+          <a:fillRef idx="1">
+            <a:schemeClr val="accent4"/>
+          </a:fillRef>
+          <a:effectRef idx="0">
+            <a:schemeClr val="accent4"/>
+          </a:effectRef>
+          <a:fontRef idx="minor">
+            <a:schemeClr val="lt1"/>
+          </a:fontRef>
+        </p:style>
+        <p:txBody>
+          <a:bodyPr wrap="square" rtlCol="0">
+            <a:spAutoFit/>
+          </a:bodyPr>
+          <a:lstStyle/>
+          <a:p>
+            <a:r>
+              <a:rPr lang="fr-FR" dirty="0"/>
+              <a:t>Sharp D</a:t>
+            </a:r>
+          </a:p>
+        </p:txBody>
+      </p:sp>
+      <p:sp>
+        <p:nvSpPr>
+          <p:cNvPr id="32" name="Bulle narrative : rectangle 31">
+            <a:extLst>
+              <a:ext uri="{FF2B5EF4-FFF2-40B4-BE49-F238E27FC236}">
+                <a16:creationId xmlns:a16="http://schemas.microsoft.com/office/drawing/2014/main" id="{40A4FF4B-D684-403C-A7B8-6D3496BAC6EE}"/>
+              </a:ext>
+            </a:extLst>
+          </p:cNvPr>
+          <p:cNvSpPr/>
+          <p:nvPr/>
+        </p:nvSpPr>
+        <p:spPr>
+          <a:xfrm>
+            <a:off x="9555597" y="2043999"/>
+            <a:ext cx="1178190" cy="425010"/>
+          </a:xfrm>
+          <a:prstGeom prst="wedgeRectCallout">
+            <a:avLst>
+              <a:gd name="adj1" fmla="val -107206"/>
+              <a:gd name="adj2" fmla="val -187349"/>
+            </a:avLst>
+          </a:prstGeom>
+        </p:spPr>
+        <p:style>
+          <a:lnRef idx="2">
+            <a:schemeClr val="accent4">
+              <a:shade val="50000"/>
+            </a:schemeClr>
+          </a:lnRef>
+          <a:fillRef idx="1">
+            <a:schemeClr val="accent4"/>
+          </a:fillRef>
+          <a:effectRef idx="0">
+            <a:schemeClr val="accent4"/>
+          </a:effectRef>
+          <a:fontRef idx="minor">
+            <a:schemeClr val="lt1"/>
+          </a:fontRef>
+        </p:style>
+        <p:txBody>
+          <a:bodyPr rtlCol="0" anchor="ctr"/>
+          <a:lstStyle/>
+          <a:p>
+            <a:pPr algn="ctr"/>
+            <a:r>
+              <a:rPr lang="fr-FR" dirty="0"/>
+              <a:t>Arrière</a:t>
+            </a:r>
+          </a:p>
+        </p:txBody>
+      </p:sp>
+      <p:cxnSp>
+        <p:nvCxnSpPr>
+          <p:cNvPr id="34" name="Connecteur droit avec flèche 33">
+            <a:extLst>
+              <a:ext uri="{FF2B5EF4-FFF2-40B4-BE49-F238E27FC236}">
+                <a16:creationId xmlns:a16="http://schemas.microsoft.com/office/drawing/2014/main" id="{7666129C-9CFA-4D1B-8B5F-986DFF249637}"/>
+              </a:ext>
+            </a:extLst>
+          </p:cNvPr>
+          <p:cNvCxnSpPr>
+            <a:stCxn id="3" idx="4"/>
+            <a:endCxn id="4" idx="0"/>
+          </p:cNvCxnSpPr>
+          <p:nvPr/>
+        </p:nvCxnSpPr>
+        <p:spPr>
+          <a:xfrm>
+            <a:off x="2775415" y="1651818"/>
+            <a:ext cx="0" cy="1777182"/>
+          </a:xfrm>
+          <a:prstGeom prst="straightConnector1">
+            <a:avLst/>
+          </a:prstGeom>
+          <a:ln>
+            <a:tailEnd type="triangle" w="lg" len="lg"/>
+          </a:ln>
+        </p:spPr>
+        <p:style>
+          <a:lnRef idx="2">
+            <a:schemeClr val="accent4">
+              <a:shade val="50000"/>
+            </a:schemeClr>
+          </a:lnRef>
+          <a:fillRef idx="1">
+            <a:schemeClr val="accent4"/>
+          </a:fillRef>
+          <a:effectRef idx="0">
+            <a:schemeClr val="accent4"/>
+          </a:effectRef>
+          <a:fontRef idx="minor">
+            <a:schemeClr val="lt1"/>
+          </a:fontRef>
+        </p:style>
+      </p:cxnSp>
+      <p:cxnSp>
+        <p:nvCxnSpPr>
+          <p:cNvPr id="36" name="Connecteur droit avec flèche 35">
+            <a:extLst>
+              <a:ext uri="{FF2B5EF4-FFF2-40B4-BE49-F238E27FC236}">
+                <a16:creationId xmlns:a16="http://schemas.microsoft.com/office/drawing/2014/main" id="{5FEC66BF-6F99-4B14-9CEB-94B0CACAB544}"/>
+              </a:ext>
+            </a:extLst>
+          </p:cNvPr>
+          <p:cNvCxnSpPr>
+            <a:stCxn id="5" idx="4"/>
+            <a:endCxn id="6" idx="0"/>
+          </p:cNvCxnSpPr>
+          <p:nvPr/>
+        </p:nvCxnSpPr>
+        <p:spPr>
+          <a:xfrm>
+            <a:off x="8659503" y="1651818"/>
+            <a:ext cx="0" cy="1845845"/>
+          </a:xfrm>
+          <a:prstGeom prst="straightConnector1">
+            <a:avLst/>
+          </a:prstGeom>
+          <a:ln>
+            <a:tailEnd type="triangle" w="lg" len="lg"/>
+          </a:ln>
+        </p:spPr>
+        <p:style>
+          <a:lnRef idx="2">
+            <a:schemeClr val="accent4">
+              <a:shade val="50000"/>
+            </a:schemeClr>
+          </a:lnRef>
+          <a:fillRef idx="1">
+            <a:schemeClr val="accent4"/>
+          </a:fillRef>
+          <a:effectRef idx="0">
+            <a:schemeClr val="accent4"/>
+          </a:effectRef>
+          <a:fontRef idx="minor">
+            <a:schemeClr val="lt1"/>
+          </a:fontRef>
+        </p:style>
+      </p:cxnSp>
+      <p:sp>
+        <p:nvSpPr>
+          <p:cNvPr id="37" name="ZoneTexte 36">
+            <a:extLst>
+              <a:ext uri="{FF2B5EF4-FFF2-40B4-BE49-F238E27FC236}">
+                <a16:creationId xmlns:a16="http://schemas.microsoft.com/office/drawing/2014/main" id="{166DA26B-1FE7-4727-8AA6-3BF3AE86A3A9}"/>
+              </a:ext>
+            </a:extLst>
+          </p:cNvPr>
+          <p:cNvSpPr txBox="1"/>
+          <p:nvPr/>
+        </p:nvSpPr>
+        <p:spPr>
+          <a:xfrm>
+            <a:off x="2464472" y="2200575"/>
+            <a:ext cx="678164" cy="369332"/>
+          </a:xfrm>
+          <a:prstGeom prst="rect">
+            <a:avLst/>
+          </a:prstGeom>
+          <a:ln/>
+        </p:spPr>
+        <p:style>
+          <a:lnRef idx="2">
+            <a:schemeClr val="accent4">
+              <a:shade val="50000"/>
+            </a:schemeClr>
+          </a:lnRef>
+          <a:fillRef idx="1">
+            <a:schemeClr val="accent4"/>
+          </a:fillRef>
+          <a:effectRef idx="0">
+            <a:schemeClr val="accent4"/>
+          </a:effectRef>
+          <a:fontRef idx="minor">
+            <a:schemeClr val="lt1"/>
+          </a:fontRef>
+        </p:style>
+        <p:txBody>
+          <a:bodyPr wrap="square" rtlCol="0">
+            <a:spAutoFit/>
+          </a:bodyPr>
+          <a:lstStyle/>
+          <a:p>
+            <a:r>
+              <a:rPr lang="fr-FR" dirty="0"/>
+              <a:t>Fini</a:t>
+            </a:r>
+          </a:p>
+        </p:txBody>
+      </p:sp>
+      <p:sp>
+        <p:nvSpPr>
+          <p:cNvPr id="38" name="ZoneTexte 37">
+            <a:extLst>
+              <a:ext uri="{FF2B5EF4-FFF2-40B4-BE49-F238E27FC236}">
+                <a16:creationId xmlns:a16="http://schemas.microsoft.com/office/drawing/2014/main" id="{66E72503-2293-460B-A193-E857CA3B0EA4}"/>
+              </a:ext>
+            </a:extLst>
+          </p:cNvPr>
+          <p:cNvSpPr txBox="1"/>
+          <p:nvPr/>
+        </p:nvSpPr>
+        <p:spPr>
+          <a:xfrm>
+            <a:off x="8320421" y="2281244"/>
+            <a:ext cx="678164" cy="369332"/>
+          </a:xfrm>
+          <a:prstGeom prst="rect">
+            <a:avLst/>
+          </a:prstGeom>
+          <a:ln/>
+        </p:spPr>
+        <p:style>
+          <a:lnRef idx="2">
+            <a:schemeClr val="accent4">
+              <a:shade val="50000"/>
+            </a:schemeClr>
+          </a:lnRef>
+          <a:fillRef idx="1">
+            <a:schemeClr val="accent4"/>
+          </a:fillRef>
+          <a:effectRef idx="0">
+            <a:schemeClr val="accent4"/>
+          </a:effectRef>
+          <a:fontRef idx="minor">
+            <a:schemeClr val="lt1"/>
+          </a:fontRef>
+        </p:style>
+        <p:txBody>
+          <a:bodyPr wrap="square" rtlCol="0">
+            <a:spAutoFit/>
+          </a:bodyPr>
+          <a:lstStyle/>
+          <a:p>
+            <a:r>
+              <a:rPr lang="fr-FR" dirty="0"/>
+              <a:t>Fini</a:t>
+            </a:r>
+          </a:p>
+        </p:txBody>
+      </p:sp>
+      <p:sp>
+        <p:nvSpPr>
+          <p:cNvPr id="39" name="Bulle narrative : rectangle 38">
+            <a:extLst>
+              <a:ext uri="{FF2B5EF4-FFF2-40B4-BE49-F238E27FC236}">
+                <a16:creationId xmlns:a16="http://schemas.microsoft.com/office/drawing/2014/main" id="{4755F943-39B9-4900-8973-72A870D78E5C}"/>
+              </a:ext>
+            </a:extLst>
+          </p:cNvPr>
+          <p:cNvSpPr/>
+          <p:nvPr/>
+        </p:nvSpPr>
+        <p:spPr>
+          <a:xfrm>
+            <a:off x="1488229" y="4416295"/>
+            <a:ext cx="1178190" cy="585748"/>
+          </a:xfrm>
+          <a:prstGeom prst="wedgeRectCallout">
+            <a:avLst>
+              <a:gd name="adj1" fmla="val 48015"/>
+              <a:gd name="adj2" fmla="val -111684"/>
+            </a:avLst>
+          </a:prstGeom>
+        </p:spPr>
+        <p:style>
+          <a:lnRef idx="2">
+            <a:schemeClr val="accent4">
+              <a:shade val="50000"/>
+            </a:schemeClr>
+          </a:lnRef>
+          <a:fillRef idx="1">
+            <a:schemeClr val="accent4"/>
+          </a:fillRef>
+          <a:effectRef idx="0">
+            <a:schemeClr val="accent4"/>
+          </a:effectRef>
+          <a:fontRef idx="minor">
+            <a:schemeClr val="lt1"/>
+          </a:fontRef>
+        </p:style>
+        <p:txBody>
+          <a:bodyPr rtlCol="0" anchor="ctr"/>
+          <a:lstStyle/>
+          <a:p>
+            <a:pPr algn="ctr"/>
+            <a:r>
+              <a:rPr lang="fr-FR" dirty="0"/>
+              <a:t>Tourner droite</a:t>
+            </a:r>
+          </a:p>
+        </p:txBody>
+      </p:sp>
+      <p:sp>
+        <p:nvSpPr>
+          <p:cNvPr id="40" name="Bulle narrative : rectangle 39">
+            <a:extLst>
+              <a:ext uri="{FF2B5EF4-FFF2-40B4-BE49-F238E27FC236}">
+                <a16:creationId xmlns:a16="http://schemas.microsoft.com/office/drawing/2014/main" id="{77351911-22F3-434C-A5A0-613B7C70866A}"/>
+              </a:ext>
+            </a:extLst>
+          </p:cNvPr>
+          <p:cNvSpPr/>
+          <p:nvPr/>
+        </p:nvSpPr>
+        <p:spPr>
+          <a:xfrm>
+            <a:off x="8759703" y="4496421"/>
+            <a:ext cx="1178190" cy="585748"/>
+          </a:xfrm>
+          <a:prstGeom prst="wedgeRectCallout">
+            <a:avLst>
+              <a:gd name="adj1" fmla="val -50876"/>
+              <a:gd name="adj2" fmla="val -113314"/>
+            </a:avLst>
+          </a:prstGeom>
+        </p:spPr>
+        <p:style>
+          <a:lnRef idx="2">
+            <a:schemeClr val="accent4">
+              <a:shade val="50000"/>
+            </a:schemeClr>
+          </a:lnRef>
+          <a:fillRef idx="1">
+            <a:schemeClr val="accent4"/>
+          </a:fillRef>
+          <a:effectRef idx="0">
+            <a:schemeClr val="accent4"/>
+          </a:effectRef>
+          <a:fontRef idx="minor">
+            <a:schemeClr val="lt1"/>
+          </a:fontRef>
+        </p:style>
+        <p:txBody>
+          <a:bodyPr rtlCol="0" anchor="ctr"/>
+          <a:lstStyle/>
+          <a:p>
+            <a:pPr algn="ctr"/>
+            <a:r>
+              <a:rPr lang="fr-FR" dirty="0"/>
+              <a:t>Tourner gauche</a:t>
+            </a:r>
+          </a:p>
+        </p:txBody>
+      </p:sp>
+      <p:cxnSp>
+        <p:nvCxnSpPr>
+          <p:cNvPr id="42" name="Connecteur : en arc 41">
+            <a:extLst>
+              <a:ext uri="{FF2B5EF4-FFF2-40B4-BE49-F238E27FC236}">
+                <a16:creationId xmlns:a16="http://schemas.microsoft.com/office/drawing/2014/main" id="{689125B1-DA2A-4856-9E0F-708E6B3FDF5F}"/>
+              </a:ext>
+            </a:extLst>
+          </p:cNvPr>
+          <p:cNvCxnSpPr>
+            <a:stCxn id="4" idx="6"/>
+            <a:endCxn id="2" idx="4"/>
+          </p:cNvCxnSpPr>
+          <p:nvPr/>
+        </p:nvCxnSpPr>
+        <p:spPr>
+          <a:xfrm flipV="1">
+            <a:off x="3153957" y="1651819"/>
+            <a:ext cx="2563502" cy="2145891"/>
+          </a:xfrm>
+          <a:prstGeom prst="curvedConnector2">
+            <a:avLst/>
+          </a:prstGeom>
+          <a:ln>
+            <a:tailEnd type="triangle" w="lg" len="lg"/>
+          </a:ln>
+        </p:spPr>
+        <p:style>
+          <a:lnRef idx="2">
+            <a:schemeClr val="accent4">
+              <a:shade val="50000"/>
+            </a:schemeClr>
+          </a:lnRef>
+          <a:fillRef idx="1">
+            <a:schemeClr val="accent4"/>
+          </a:fillRef>
+          <a:effectRef idx="0">
+            <a:schemeClr val="accent4"/>
+          </a:effectRef>
+          <a:fontRef idx="minor">
+            <a:schemeClr val="lt1"/>
+          </a:fontRef>
+        </p:style>
+      </p:cxnSp>
+      <p:cxnSp>
+        <p:nvCxnSpPr>
+          <p:cNvPr id="44" name="Connecteur : en arc 43">
+            <a:extLst>
+              <a:ext uri="{FF2B5EF4-FFF2-40B4-BE49-F238E27FC236}">
+                <a16:creationId xmlns:a16="http://schemas.microsoft.com/office/drawing/2014/main" id="{8EB2189E-6FBA-4162-85DF-DC2039ACE878}"/>
+              </a:ext>
+            </a:extLst>
+          </p:cNvPr>
+          <p:cNvCxnSpPr>
+            <a:stCxn id="6" idx="2"/>
+            <a:endCxn id="2" idx="4"/>
+          </p:cNvCxnSpPr>
+          <p:nvPr/>
+        </p:nvCxnSpPr>
+        <p:spPr>
+          <a:xfrm rot="10800000">
+            <a:off x="5717459" y="1651819"/>
+            <a:ext cx="2563502" cy="2214554"/>
+          </a:xfrm>
+          <a:prstGeom prst="curvedConnector2">
+            <a:avLst/>
+          </a:prstGeom>
+          <a:ln>
+            <a:headEnd w="lg" len="lg"/>
+            <a:tailEnd type="triangle" w="lg" len="lg"/>
+          </a:ln>
+        </p:spPr>
+        <p:style>
+          <a:lnRef idx="2">
+            <a:schemeClr val="accent4">
+              <a:shade val="50000"/>
+            </a:schemeClr>
+          </a:lnRef>
+          <a:fillRef idx="1">
+            <a:schemeClr val="accent4"/>
+          </a:fillRef>
+          <a:effectRef idx="0">
+            <a:schemeClr val="accent4"/>
+          </a:effectRef>
+          <a:fontRef idx="minor">
+            <a:schemeClr val="lt1"/>
+          </a:fontRef>
+        </p:style>
+      </p:cxnSp>
+      <p:sp>
+        <p:nvSpPr>
+          <p:cNvPr id="45" name="ZoneTexte 44">
+            <a:extLst>
+              <a:ext uri="{FF2B5EF4-FFF2-40B4-BE49-F238E27FC236}">
+                <a16:creationId xmlns:a16="http://schemas.microsoft.com/office/drawing/2014/main" id="{08A2BE71-0847-4613-A533-889A77A81295}"/>
+              </a:ext>
+            </a:extLst>
+          </p:cNvPr>
+          <p:cNvSpPr txBox="1"/>
+          <p:nvPr/>
+        </p:nvSpPr>
+        <p:spPr>
+          <a:xfrm>
+            <a:off x="4566377" y="3077036"/>
+            <a:ext cx="678164" cy="369332"/>
+          </a:xfrm>
+          <a:prstGeom prst="rect">
+            <a:avLst/>
+          </a:prstGeom>
+          <a:ln/>
+        </p:spPr>
+        <p:style>
+          <a:lnRef idx="2">
+            <a:schemeClr val="accent4">
+              <a:shade val="50000"/>
+            </a:schemeClr>
+          </a:lnRef>
+          <a:fillRef idx="1">
+            <a:schemeClr val="accent4"/>
+          </a:fillRef>
+          <a:effectRef idx="0">
+            <a:schemeClr val="accent4"/>
+          </a:effectRef>
+          <a:fontRef idx="minor">
+            <a:schemeClr val="lt1"/>
+          </a:fontRef>
+        </p:style>
+        <p:txBody>
+          <a:bodyPr wrap="square" rtlCol="0">
+            <a:spAutoFit/>
+          </a:bodyPr>
+          <a:lstStyle/>
+          <a:p>
+            <a:r>
+              <a:rPr lang="fr-FR" dirty="0"/>
+              <a:t>Fini</a:t>
+            </a:r>
+          </a:p>
+        </p:txBody>
+      </p:sp>
+      <p:sp>
+        <p:nvSpPr>
+          <p:cNvPr id="46" name="ZoneTexte 45">
+            <a:extLst>
+              <a:ext uri="{FF2B5EF4-FFF2-40B4-BE49-F238E27FC236}">
+                <a16:creationId xmlns:a16="http://schemas.microsoft.com/office/drawing/2014/main" id="{0CD114F0-73D3-46E4-8D2F-71F261881D88}"/>
+              </a:ext>
+            </a:extLst>
+          </p:cNvPr>
+          <p:cNvSpPr txBox="1"/>
+          <p:nvPr/>
+        </p:nvSpPr>
+        <p:spPr>
+          <a:xfrm>
+            <a:off x="6189481" y="3061978"/>
+            <a:ext cx="678164" cy="369332"/>
+          </a:xfrm>
+          <a:prstGeom prst="rect">
+            <a:avLst/>
+          </a:prstGeom>
+          <a:ln/>
+        </p:spPr>
+        <p:style>
+          <a:lnRef idx="2">
+            <a:schemeClr val="accent4">
+              <a:shade val="50000"/>
+            </a:schemeClr>
+          </a:lnRef>
+          <a:fillRef idx="1">
+            <a:schemeClr val="accent4"/>
+          </a:fillRef>
+          <a:effectRef idx="0">
+            <a:schemeClr val="accent4"/>
+          </a:effectRef>
+          <a:fontRef idx="minor">
+            <a:schemeClr val="lt1"/>
+          </a:fontRef>
+        </p:style>
+        <p:txBody>
+          <a:bodyPr wrap="square" rtlCol="0">
+            <a:spAutoFit/>
+          </a:bodyPr>
+          <a:lstStyle/>
+          <a:p>
+            <a:r>
+              <a:rPr lang="fr-FR" dirty="0"/>
+              <a:t>Fini</a:t>
+            </a:r>
+          </a:p>
+        </p:txBody>
+      </p:sp>
+    </p:spTree>
+    <p:extLst>
+      <p:ext uri="{BB962C8B-B14F-4D97-AF65-F5344CB8AC3E}">
+        <p14:creationId xmlns:p14="http://schemas.microsoft.com/office/powerpoint/2010/main" val="3110892433"/>
+      </p:ext>
+    </p:extLst>
+  </p:cSld>
+  <p:clrMapOvr>
+    <a:masterClrMapping/>
+  </p:clrMapOvr>
+</p:sld>
+</file>
+
 <file path=ppt/theme/theme1.xml><?xml version="1.0" encoding="utf-8"?>
 <a:theme xmlns:a="http://schemas.openxmlformats.org/drawingml/2006/main" name="Thème Office">
   <a:themeElements>
